--- a/C++/Tutoring/Lectures/WS-24/Introduction.pptx
+++ b/C++/Tutoring/Lectures/WS-24/Introduction.pptx
@@ -5,7 +5,7 @@
     <p:sldMasterId id="2147483648" r:id="rId1"/>
   </p:sldMasterIdLst>
   <p:notesMasterIdLst>
-    <p:notesMasterId r:id="rId8"/>
+    <p:notesMasterId r:id="rId12"/>
   </p:notesMasterIdLst>
   <p:sldIdLst>
     <p:sldId id="256" r:id="rId2"/>
@@ -14,6 +14,10 @@
     <p:sldId id="259" r:id="rId5"/>
     <p:sldId id="260" r:id="rId6"/>
     <p:sldId id="261" r:id="rId7"/>
+    <p:sldId id="262" r:id="rId8"/>
+    <p:sldId id="263" r:id="rId9"/>
+    <p:sldId id="264" r:id="rId10"/>
+    <p:sldId id="265" r:id="rId11"/>
   </p:sldIdLst>
   <p:sldSz cx="12192000" cy="6858000"/>
   <p:notesSz cx="6858000" cy="9144000"/>
@@ -202,7 +206,7 @@
           <a:p>
             <a:fld id="{B67B2E98-8814-4377-99ED-BC2AF89AFACB}" type="datetimeFigureOut">
               <a:rPr lang="de-DE" smtClean="0"/>
-              <a:t>29.09.2024</a:t>
+              <a:t>17.10.2024</a:t>
             </a:fld>
             <a:endParaRPr lang="de-DE"/>
           </a:p>
@@ -797,7 +801,7 @@
           <a:p>
             <a:fld id="{143E588C-5243-4106-A623-CC5E5897E013}" type="datetimeFigureOut">
               <a:rPr lang="de-DE" smtClean="0"/>
-              <a:t>29.09.2024</a:t>
+              <a:t>17.10.2024</a:t>
             </a:fld>
             <a:endParaRPr lang="de-DE"/>
           </a:p>
@@ -997,7 +1001,7 @@
           <a:p>
             <a:fld id="{143E588C-5243-4106-A623-CC5E5897E013}" type="datetimeFigureOut">
               <a:rPr lang="de-DE" smtClean="0"/>
-              <a:t>29.09.2024</a:t>
+              <a:t>17.10.2024</a:t>
             </a:fld>
             <a:endParaRPr lang="de-DE"/>
           </a:p>
@@ -1207,7 +1211,7 @@
           <a:p>
             <a:fld id="{143E588C-5243-4106-A623-CC5E5897E013}" type="datetimeFigureOut">
               <a:rPr lang="de-DE" smtClean="0"/>
-              <a:t>29.09.2024</a:t>
+              <a:t>17.10.2024</a:t>
             </a:fld>
             <a:endParaRPr lang="de-DE"/>
           </a:p>
@@ -1407,7 +1411,7 @@
           <a:p>
             <a:fld id="{143E588C-5243-4106-A623-CC5E5897E013}" type="datetimeFigureOut">
               <a:rPr lang="de-DE" smtClean="0"/>
-              <a:t>29.09.2024</a:t>
+              <a:t>17.10.2024</a:t>
             </a:fld>
             <a:endParaRPr lang="de-DE"/>
           </a:p>
@@ -1683,7 +1687,7 @@
           <a:p>
             <a:fld id="{143E588C-5243-4106-A623-CC5E5897E013}" type="datetimeFigureOut">
               <a:rPr lang="de-DE" smtClean="0"/>
-              <a:t>29.09.2024</a:t>
+              <a:t>17.10.2024</a:t>
             </a:fld>
             <a:endParaRPr lang="de-DE"/>
           </a:p>
@@ -1951,7 +1955,7 @@
           <a:p>
             <a:fld id="{143E588C-5243-4106-A623-CC5E5897E013}" type="datetimeFigureOut">
               <a:rPr lang="de-DE" smtClean="0"/>
-              <a:t>29.09.2024</a:t>
+              <a:t>17.10.2024</a:t>
             </a:fld>
             <a:endParaRPr lang="de-DE"/>
           </a:p>
@@ -2366,7 +2370,7 @@
           <a:p>
             <a:fld id="{143E588C-5243-4106-A623-CC5E5897E013}" type="datetimeFigureOut">
               <a:rPr lang="de-DE" smtClean="0"/>
-              <a:t>29.09.2024</a:t>
+              <a:t>17.10.2024</a:t>
             </a:fld>
             <a:endParaRPr lang="de-DE"/>
           </a:p>
@@ -2508,7 +2512,7 @@
           <a:p>
             <a:fld id="{143E588C-5243-4106-A623-CC5E5897E013}" type="datetimeFigureOut">
               <a:rPr lang="de-DE" smtClean="0"/>
-              <a:t>29.09.2024</a:t>
+              <a:t>17.10.2024</a:t>
             </a:fld>
             <a:endParaRPr lang="de-DE"/>
           </a:p>
@@ -2621,7 +2625,7 @@
           <a:p>
             <a:fld id="{143E588C-5243-4106-A623-CC5E5897E013}" type="datetimeFigureOut">
               <a:rPr lang="de-DE" smtClean="0"/>
-              <a:t>29.09.2024</a:t>
+              <a:t>17.10.2024</a:t>
             </a:fld>
             <a:endParaRPr lang="de-DE"/>
           </a:p>
@@ -2934,7 +2938,7 @@
           <a:p>
             <a:fld id="{143E588C-5243-4106-A623-CC5E5897E013}" type="datetimeFigureOut">
               <a:rPr lang="de-DE" smtClean="0"/>
-              <a:t>29.09.2024</a:t>
+              <a:t>17.10.2024</a:t>
             </a:fld>
             <a:endParaRPr lang="de-DE"/>
           </a:p>
@@ -3223,7 +3227,7 @@
           <a:p>
             <a:fld id="{143E588C-5243-4106-A623-CC5E5897E013}" type="datetimeFigureOut">
               <a:rPr lang="de-DE" smtClean="0"/>
-              <a:t>29.09.2024</a:t>
+              <a:t>17.10.2024</a:t>
             </a:fld>
             <a:endParaRPr lang="de-DE"/>
           </a:p>
@@ -3466,7 +3470,7 @@
           <a:p>
             <a:fld id="{143E588C-5243-4106-A623-CC5E5897E013}" type="datetimeFigureOut">
               <a:rPr lang="de-DE" smtClean="0"/>
-              <a:t>29.09.2024</a:t>
+              <a:t>17.10.2024</a:t>
             </a:fld>
             <a:endParaRPr lang="de-DE"/>
           </a:p>
@@ -4000,6 +4004,115 @@
 </p:sld>
 </file>
 
+<file path=ppt/slides/slide10.xml><?xml version="1.0" encoding="utf-8"?>
+<p:sld xmlns:a="http://schemas.openxmlformats.org/drawingml/2006/main" xmlns:r="http://schemas.openxmlformats.org/officeDocument/2006/relationships" xmlns:p="http://schemas.openxmlformats.org/presentationml/2006/main">
+  <p:cSld>
+    <p:spTree>
+      <p:nvGrpSpPr>
+        <p:cNvPr id="1" name=""/>
+        <p:cNvGrpSpPr/>
+        <p:nvPr/>
+      </p:nvGrpSpPr>
+      <p:grpSpPr>
+        <a:xfrm>
+          <a:off x="0" y="0"/>
+          <a:ext cx="0" cy="0"/>
+          <a:chOff x="0" y="0"/>
+          <a:chExt cx="0" cy="0"/>
+        </a:xfrm>
+      </p:grpSpPr>
+      <p:sp>
+        <p:nvSpPr>
+          <p:cNvPr id="2" name="Title 1">
+            <a:extLst>
+              <a:ext uri="{FF2B5EF4-FFF2-40B4-BE49-F238E27FC236}">
+                <a16:creationId xmlns:a16="http://schemas.microsoft.com/office/drawing/2014/main" id="{048B926C-26AB-DD92-97BE-A4E12096D212}"/>
+              </a:ext>
+            </a:extLst>
+          </p:cNvPr>
+          <p:cNvSpPr>
+            <a:spLocks noGrp="1"/>
+          </p:cNvSpPr>
+          <p:nvPr>
+            <p:ph type="title"/>
+          </p:nvPr>
+        </p:nvSpPr>
+        <p:spPr/>
+        <p:txBody>
+          <a:bodyPr/>
+          <a:lstStyle/>
+          <a:p>
+            <a:pPr algn="ctr"/>
+            <a:r>
+              <a:rPr lang="en-DE" b="1" dirty="0"/>
+              <a:t>3 three W’s</a:t>
+            </a:r>
+          </a:p>
+        </p:txBody>
+      </p:sp>
+      <p:sp>
+        <p:nvSpPr>
+          <p:cNvPr id="3" name="Content Placeholder 2">
+            <a:extLst>
+              <a:ext uri="{FF2B5EF4-FFF2-40B4-BE49-F238E27FC236}">
+                <a16:creationId xmlns:a16="http://schemas.microsoft.com/office/drawing/2014/main" id="{F921AACA-E983-6AF4-A285-41EADD1F0207}"/>
+              </a:ext>
+            </a:extLst>
+          </p:cNvPr>
+          <p:cNvSpPr>
+            <a:spLocks noGrp="1"/>
+          </p:cNvSpPr>
+          <p:nvPr>
+            <p:ph idx="1"/>
+          </p:nvPr>
+        </p:nvSpPr>
+        <p:spPr/>
+        <p:txBody>
+          <a:bodyPr>
+            <a:normAutofit/>
+          </a:bodyPr>
+          <a:lstStyle/>
+          <a:p>
+            <a:r>
+              <a:rPr lang="en-DE" dirty="0"/>
+              <a:t>What is the meaning of .....</a:t>
+            </a:r>
+          </a:p>
+          <a:p>
+            <a:r>
+              <a:rPr lang="en-DE" dirty="0"/>
+              <a:t>Why do we need .....</a:t>
+            </a:r>
+          </a:p>
+          <a:p>
+            <a:r>
+              <a:rPr lang="en-DE" dirty="0"/>
+              <a:t>What are the variations in the area of ..... (How can it be used in differ</a:t>
+            </a:r>
+            <a:r>
+              <a:rPr lang="en-GB" dirty="0"/>
+              <a:t>en</a:t>
+            </a:r>
+            <a:r>
+              <a:rPr lang="en-DE" dirty="0"/>
+              <a:t>t cases)</a:t>
+            </a:r>
+          </a:p>
+        </p:txBody>
+      </p:sp>
+    </p:spTree>
+    <p:extLst>
+      <p:ext uri="{BB962C8B-B14F-4D97-AF65-F5344CB8AC3E}">
+        <p14:creationId xmlns:p14="http://schemas.microsoft.com/office/powerpoint/2010/main" val="280397052"/>
+      </p:ext>
+    </p:extLst>
+  </p:cSld>
+  <p:clrMapOvr>
+    <a:masterClrMapping/>
+  </p:clrMapOvr>
+</p:sld>
+</file>
+
 <file path=ppt/slides/slide2.xml><?xml version="1.0" encoding="utf-8"?>
 <p:sld xmlns:a="http://schemas.openxmlformats.org/drawingml/2006/main" xmlns:r="http://schemas.openxmlformats.org/officeDocument/2006/relationships" xmlns:p="http://schemas.openxmlformats.org/presentationml/2006/main">
   <p:cSld>
@@ -5755,6 +5868,113 @@
           <a:bodyPr/>
           <a:lstStyle/>
           <a:p>
+            <a:r>
+              <a:rPr lang="en-DE" dirty="0"/>
+              <a:t>Rule book</a:t>
+            </a:r>
+          </a:p>
+          <a:p>
+            <a:pPr lvl="1"/>
+            <a:r>
+              <a:rPr lang="en-DE" dirty="0"/>
+              <a:t>Splitting up the topics</a:t>
+            </a:r>
+          </a:p>
+          <a:p>
+            <a:r>
+              <a:rPr lang="en-DE" dirty="0"/>
+              <a:t>Using external reso</a:t>
+            </a:r>
+            <a:r>
+              <a:rPr lang="en-GB" dirty="0"/>
+              <a:t>ur</a:t>
+            </a:r>
+            <a:r>
+              <a:rPr lang="en-DE" dirty="0"/>
+              <a:t>ces for having a bigger picture</a:t>
+            </a:r>
+          </a:p>
+          <a:p>
+            <a:pPr lvl="1"/>
+            <a:r>
+              <a:rPr lang="en-DE" dirty="0"/>
+              <a:t>Primary source:</a:t>
+            </a:r>
+          </a:p>
+          <a:p>
+            <a:pPr lvl="2"/>
+            <a:r>
+              <a:rPr lang="en-DE" dirty="0"/>
+              <a:t>Prof. Script</a:t>
+            </a:r>
+          </a:p>
+          <a:p>
+            <a:pPr lvl="2"/>
+            <a:r>
+              <a:rPr lang="en-DE" dirty="0"/>
+              <a:t>LearnCPP Website: </a:t>
+            </a:r>
+            <a:r>
+              <a:rPr lang="en-GB" dirty="0">
+                <a:hlinkClick r:id="rId2"/>
+              </a:rPr>
+              <a:t>Learn C++ – Skill up with our free tutorials (learncpp.com)</a:t>
+            </a:r>
+            <a:endParaRPr lang="en-DE" dirty="0"/>
+          </a:p>
+          <a:p>
+            <a:pPr lvl="2"/>
+            <a:r>
+              <a:rPr lang="en-DE" dirty="0"/>
+              <a:t>Udemy C</a:t>
+            </a:r>
+            <a:r>
+              <a:rPr lang="en-GB" dirty="0"/>
+              <a:t>o</a:t>
+            </a:r>
+            <a:r>
+              <a:rPr lang="en-DE" dirty="0"/>
+              <a:t>urse, most of you alre</a:t>
+            </a:r>
+            <a:r>
+              <a:rPr lang="en-GB" dirty="0"/>
+              <a:t>ad</a:t>
+            </a:r>
+            <a:r>
+              <a:rPr lang="en-DE" dirty="0"/>
+              <a:t>y know about it </a:t>
+            </a:r>
+            <a:r>
+              <a:rPr lang="en-DE" dirty="0">
+                <a:sym typeface="Wingdings" panose="05000000000000000000" pitchFamily="2" charset="2"/>
+              </a:rPr>
+              <a:t></a:t>
+            </a:r>
+            <a:endParaRPr lang="en-DE" dirty="0"/>
+          </a:p>
+          <a:p>
+            <a:r>
+              <a:rPr lang="en-DE" dirty="0"/>
+              <a:t>Power of Chat GPT (Le</a:t>
+            </a:r>
+            <a:r>
+              <a:rPr lang="en-GB" dirty="0"/>
+              <a:t>ar</a:t>
+            </a:r>
+            <a:r>
+              <a:rPr lang="en-DE" dirty="0"/>
+              <a:t>ning Techn</a:t>
+            </a:r>
+            <a:r>
+              <a:rPr lang="en-GB" dirty="0" err="1"/>
+              <a:t>iq</a:t>
+            </a:r>
+            <a:r>
+              <a:rPr lang="en-DE" dirty="0"/>
+              <a:t>ues)</a:t>
+            </a:r>
+          </a:p>
+          <a:p>
             <a:endParaRPr lang="de-DE" dirty="0"/>
           </a:p>
         </p:txBody>
@@ -5763,6 +5983,470 @@
     <p:extLst>
       <p:ext uri="{BB962C8B-B14F-4D97-AF65-F5344CB8AC3E}">
         <p14:creationId xmlns:p14="http://schemas.microsoft.com/office/powerpoint/2010/main" val="195858164"/>
+      </p:ext>
+    </p:extLst>
+  </p:cSld>
+  <p:clrMapOvr>
+    <a:masterClrMapping/>
+  </p:clrMapOvr>
+</p:sld>
+</file>
+
+<file path=ppt/slides/slide7.xml><?xml version="1.0" encoding="utf-8"?>
+<p:sld xmlns:a="http://schemas.openxmlformats.org/drawingml/2006/main" xmlns:r="http://schemas.openxmlformats.org/officeDocument/2006/relationships" xmlns:p="http://schemas.openxmlformats.org/presentationml/2006/main">
+  <p:cSld>
+    <p:spTree>
+      <p:nvGrpSpPr>
+        <p:cNvPr id="1" name=""/>
+        <p:cNvGrpSpPr/>
+        <p:nvPr/>
+      </p:nvGrpSpPr>
+      <p:grpSpPr>
+        <a:xfrm>
+          <a:off x="0" y="0"/>
+          <a:ext cx="0" cy="0"/>
+          <a:chOff x="0" y="0"/>
+          <a:chExt cx="0" cy="0"/>
+        </a:xfrm>
+      </p:grpSpPr>
+      <p:sp>
+        <p:nvSpPr>
+          <p:cNvPr id="2" name="Title 1">
+            <a:extLst>
+              <a:ext uri="{FF2B5EF4-FFF2-40B4-BE49-F238E27FC236}">
+                <a16:creationId xmlns:a16="http://schemas.microsoft.com/office/drawing/2014/main" id="{2C21FD21-B6AD-29C5-75CC-4CD4A25342C1}"/>
+              </a:ext>
+            </a:extLst>
+          </p:cNvPr>
+          <p:cNvSpPr>
+            <a:spLocks noGrp="1"/>
+          </p:cNvSpPr>
+          <p:nvPr>
+            <p:ph type="title"/>
+          </p:nvPr>
+        </p:nvSpPr>
+        <p:spPr/>
+        <p:txBody>
+          <a:bodyPr/>
+          <a:lstStyle/>
+          <a:p>
+            <a:r>
+              <a:rPr lang="en-DE" dirty="0"/>
+              <a:t>Question 1 </a:t>
+            </a:r>
+          </a:p>
+        </p:txBody>
+      </p:sp>
+      <p:sp>
+        <p:nvSpPr>
+          <p:cNvPr id="3" name="Content Placeholder 2">
+            <a:extLst>
+              <a:ext uri="{FF2B5EF4-FFF2-40B4-BE49-F238E27FC236}">
+                <a16:creationId xmlns:a16="http://schemas.microsoft.com/office/drawing/2014/main" id="{C7071F53-D43B-4A91-B2CB-15C8E3B971F9}"/>
+              </a:ext>
+            </a:extLst>
+          </p:cNvPr>
+          <p:cNvSpPr>
+            <a:spLocks noGrp="1"/>
+          </p:cNvSpPr>
+          <p:nvPr>
+            <p:ph idx="1"/>
+          </p:nvPr>
+        </p:nvSpPr>
+        <p:spPr/>
+        <p:txBody>
+          <a:bodyPr>
+            <a:normAutofit/>
+          </a:bodyPr>
+          <a:lstStyle/>
+          <a:p>
+            <a:r>
+              <a:rPr lang="en-DE" sz="2800" dirty="0"/>
+              <a:t>To get fluent:</a:t>
+            </a:r>
+          </a:p>
+          <a:p>
+            <a:pPr lvl="1"/>
+            <a:r>
+              <a:rPr lang="en-DE" sz="2400" dirty="0"/>
+              <a:t>Minimum Info: </a:t>
+            </a:r>
+          </a:p>
+          <a:p>
+            <a:pPr lvl="2"/>
+            <a:r>
+              <a:rPr lang="en-DE" sz="2000" dirty="0"/>
+              <a:t>Classes and Objects</a:t>
+            </a:r>
+          </a:p>
+          <a:p>
+            <a:pPr lvl="2"/>
+            <a:r>
+              <a:rPr lang="en-DE" sz="2000" dirty="0"/>
+              <a:t>Inheritance</a:t>
+            </a:r>
+          </a:p>
+          <a:p>
+            <a:pPr lvl="2"/>
+            <a:r>
+              <a:rPr lang="en-DE" sz="2000" dirty="0"/>
+              <a:t>Polymorphism</a:t>
+            </a:r>
+          </a:p>
+          <a:p>
+            <a:pPr lvl="2"/>
+            <a:r>
+              <a:rPr lang="en-DE" sz="2000" dirty="0"/>
+              <a:t>Sometimes (STL) but not complicated compar</a:t>
+            </a:r>
+            <a:r>
+              <a:rPr lang="en-GB" sz="2000" dirty="0"/>
+              <a:t>a</a:t>
+            </a:r>
+            <a:r>
+              <a:rPr lang="en-DE" sz="2000" dirty="0"/>
+              <a:t>tively</a:t>
+            </a:r>
+          </a:p>
+        </p:txBody>
+      </p:sp>
+    </p:spTree>
+    <p:extLst>
+      <p:ext uri="{BB962C8B-B14F-4D97-AF65-F5344CB8AC3E}">
+        <p14:creationId xmlns:p14="http://schemas.microsoft.com/office/powerpoint/2010/main" val="4196668764"/>
+      </p:ext>
+    </p:extLst>
+  </p:cSld>
+  <p:clrMapOvr>
+    <a:masterClrMapping/>
+  </p:clrMapOvr>
+</p:sld>
+</file>
+
+<file path=ppt/slides/slide8.xml><?xml version="1.0" encoding="utf-8"?>
+<p:sld xmlns:a="http://schemas.openxmlformats.org/drawingml/2006/main" xmlns:r="http://schemas.openxmlformats.org/officeDocument/2006/relationships" xmlns:p="http://schemas.openxmlformats.org/presentationml/2006/main">
+  <p:cSld>
+    <p:spTree>
+      <p:nvGrpSpPr>
+        <p:cNvPr id="1" name=""/>
+        <p:cNvGrpSpPr/>
+        <p:nvPr/>
+      </p:nvGrpSpPr>
+      <p:grpSpPr>
+        <a:xfrm>
+          <a:off x="0" y="0"/>
+          <a:ext cx="0" cy="0"/>
+          <a:chOff x="0" y="0"/>
+          <a:chExt cx="0" cy="0"/>
+        </a:xfrm>
+      </p:grpSpPr>
+      <p:sp>
+        <p:nvSpPr>
+          <p:cNvPr id="2" name="Title 1">
+            <a:extLst>
+              <a:ext uri="{FF2B5EF4-FFF2-40B4-BE49-F238E27FC236}">
+                <a16:creationId xmlns:a16="http://schemas.microsoft.com/office/drawing/2014/main" id="{AF47AA73-57F8-4CC2-40EB-A6E1F66B0696}"/>
+              </a:ext>
+            </a:extLst>
+          </p:cNvPr>
+          <p:cNvSpPr>
+            <a:spLocks noGrp="1"/>
+          </p:cNvSpPr>
+          <p:nvPr>
+            <p:ph type="title"/>
+          </p:nvPr>
+        </p:nvSpPr>
+        <p:spPr/>
+        <p:txBody>
+          <a:bodyPr/>
+          <a:lstStyle/>
+          <a:p>
+            <a:r>
+              <a:rPr lang="en-DE" dirty="0"/>
+              <a:t>Question 2</a:t>
+            </a:r>
+          </a:p>
+        </p:txBody>
+      </p:sp>
+      <p:sp>
+        <p:nvSpPr>
+          <p:cNvPr id="3" name="Content Placeholder 2">
+            <a:extLst>
+              <a:ext uri="{FF2B5EF4-FFF2-40B4-BE49-F238E27FC236}">
+                <a16:creationId xmlns:a16="http://schemas.microsoft.com/office/drawing/2014/main" id="{23FA3528-E87C-B5BF-497E-FC26051E130D}"/>
+              </a:ext>
+            </a:extLst>
+          </p:cNvPr>
+          <p:cNvSpPr>
+            <a:spLocks noGrp="1"/>
+          </p:cNvSpPr>
+          <p:nvPr>
+            <p:ph idx="1"/>
+          </p:nvPr>
+        </p:nvSpPr>
+        <p:spPr/>
+        <p:txBody>
+          <a:bodyPr>
+            <a:normAutofit lnSpcReduction="10000"/>
+          </a:bodyPr>
+          <a:lstStyle/>
+          <a:p>
+            <a:r>
+              <a:rPr lang="en-DE" dirty="0"/>
+              <a:t>How to optim</a:t>
+            </a:r>
+            <a:r>
+              <a:rPr lang="en-GB" dirty="0" err="1"/>
+              <a:t>i</a:t>
+            </a:r>
+            <a:r>
+              <a:rPr lang="en-DE" dirty="0"/>
+              <a:t>ze your cheat sheet its maximum potential</a:t>
+            </a:r>
+          </a:p>
+          <a:p>
+            <a:pPr lvl="1"/>
+            <a:r>
+              <a:rPr lang="en-DE" b="1" dirty="0"/>
+              <a:t>Draft 1 </a:t>
+            </a:r>
+            <a:r>
+              <a:rPr lang="en-DE" dirty="0"/>
+              <a:t>– Find all the keywords from t</a:t>
+            </a:r>
+            <a:r>
+              <a:rPr lang="en-GB" dirty="0"/>
+              <a:t>he</a:t>
+            </a:r>
+            <a:r>
+              <a:rPr lang="en-DE" dirty="0"/>
+              <a:t> script (Recommended – Split all the big topics in different notebooks on your IPAD/Paper Based Notebook)</a:t>
+            </a:r>
+            <a:br>
+              <a:rPr lang="en-DE" dirty="0"/>
+            </a:br>
+            <a:endParaRPr lang="en-DE" dirty="0"/>
+          </a:p>
+          <a:p>
+            <a:pPr lvl="1"/>
+            <a:r>
+              <a:rPr lang="en-DE" b="1" dirty="0"/>
+              <a:t>Draft 2</a:t>
+            </a:r>
+            <a:r>
+              <a:rPr lang="en-DE" dirty="0"/>
+              <a:t> – After looking over all the past exams, find the common questions asked by the Prof. </a:t>
+            </a:r>
+            <a:r>
+              <a:rPr lang="en-GB" dirty="0"/>
+              <a:t>A</a:t>
+            </a:r>
+            <a:r>
+              <a:rPr lang="en-DE" dirty="0" err="1"/>
+              <a:t>nd</a:t>
+            </a:r>
+            <a:r>
+              <a:rPr lang="en-DE" dirty="0"/>
+              <a:t> rep</a:t>
+            </a:r>
+            <a:r>
+              <a:rPr lang="en-GB" dirty="0"/>
+              <a:t>la</a:t>
+            </a:r>
+            <a:r>
+              <a:rPr lang="en-DE" dirty="0" err="1"/>
+              <a:t>ce</a:t>
+            </a:r>
+            <a:r>
+              <a:rPr lang="en-DE" dirty="0"/>
+              <a:t> that with draft 1</a:t>
+            </a:r>
+            <a:br>
+              <a:rPr lang="en-DE" dirty="0"/>
+            </a:br>
+            <a:endParaRPr lang="en-DE" dirty="0"/>
+          </a:p>
+          <a:p>
+            <a:pPr lvl="1"/>
+            <a:r>
+              <a:rPr lang="en-DE" b="1" dirty="0"/>
+              <a:t>Draft 3 </a:t>
+            </a:r>
+            <a:r>
+              <a:rPr lang="en-DE" dirty="0"/>
+              <a:t>– You will notice over the period of time, some concepts would get very easy to remember, be</a:t>
+            </a:r>
+            <a:r>
+              <a:rPr lang="en-GB" dirty="0"/>
+              <a:t>ca</a:t>
+            </a:r>
+            <a:r>
+              <a:rPr lang="en-DE" dirty="0"/>
+              <a:t>use you would be using it in real life programming questions (So Remove those extra Info.)</a:t>
+            </a:r>
+            <a:br>
+              <a:rPr lang="en-DE" dirty="0"/>
+            </a:br>
+            <a:endParaRPr lang="en-DE" dirty="0"/>
+          </a:p>
+          <a:p>
+            <a:pPr lvl="1"/>
+            <a:r>
+              <a:rPr lang="en-DE" b="1" dirty="0"/>
+              <a:t>Final Draft – </a:t>
+            </a:r>
+            <a:r>
+              <a:rPr lang="en-DE" dirty="0"/>
+              <a:t>Make sure to put all the past exam questions especially the </a:t>
+            </a:r>
+            <a:r>
+              <a:rPr lang="en-DE" dirty="0" err="1"/>
+              <a:t>the</a:t>
+            </a:r>
+            <a:r>
+              <a:rPr lang="en-GB" dirty="0"/>
+              <a:t>or</a:t>
+            </a:r>
+            <a:r>
+              <a:rPr lang="en-DE" dirty="0"/>
+              <a:t>y on your cheat sheet.</a:t>
+            </a:r>
+            <a:endParaRPr lang="en-DE" b="1" dirty="0"/>
+          </a:p>
+        </p:txBody>
+      </p:sp>
+    </p:spTree>
+    <p:extLst>
+      <p:ext uri="{BB962C8B-B14F-4D97-AF65-F5344CB8AC3E}">
+        <p14:creationId xmlns:p14="http://schemas.microsoft.com/office/powerpoint/2010/main" val="740436085"/>
+      </p:ext>
+    </p:extLst>
+  </p:cSld>
+  <p:clrMapOvr>
+    <a:masterClrMapping/>
+  </p:clrMapOvr>
+</p:sld>
+</file>
+
+<file path=ppt/slides/slide9.xml><?xml version="1.0" encoding="utf-8"?>
+<p:sld xmlns:a="http://schemas.openxmlformats.org/drawingml/2006/main" xmlns:r="http://schemas.openxmlformats.org/officeDocument/2006/relationships" xmlns:p="http://schemas.openxmlformats.org/presentationml/2006/main">
+  <p:cSld>
+    <p:spTree>
+      <p:nvGrpSpPr>
+        <p:cNvPr id="1" name=""/>
+        <p:cNvGrpSpPr/>
+        <p:nvPr/>
+      </p:nvGrpSpPr>
+      <p:grpSpPr>
+        <a:xfrm>
+          <a:off x="0" y="0"/>
+          <a:ext cx="0" cy="0"/>
+          <a:chOff x="0" y="0"/>
+          <a:chExt cx="0" cy="0"/>
+        </a:xfrm>
+      </p:grpSpPr>
+      <p:sp>
+        <p:nvSpPr>
+          <p:cNvPr id="2" name="Title 1">
+            <a:extLst>
+              <a:ext uri="{FF2B5EF4-FFF2-40B4-BE49-F238E27FC236}">
+                <a16:creationId xmlns:a16="http://schemas.microsoft.com/office/drawing/2014/main" id="{8EDC5996-B93F-655C-E301-89175E2FB93A}"/>
+              </a:ext>
+            </a:extLst>
+          </p:cNvPr>
+          <p:cNvSpPr>
+            <a:spLocks noGrp="1"/>
+          </p:cNvSpPr>
+          <p:nvPr>
+            <p:ph type="title"/>
+          </p:nvPr>
+        </p:nvSpPr>
+        <p:spPr/>
+        <p:txBody>
+          <a:bodyPr/>
+          <a:lstStyle/>
+          <a:p>
+            <a:r>
+              <a:rPr lang="en-DE" dirty="0"/>
+              <a:t>Question 3/4/5</a:t>
+            </a:r>
+          </a:p>
+        </p:txBody>
+      </p:sp>
+      <p:sp>
+        <p:nvSpPr>
+          <p:cNvPr id="3" name="Content Placeholder 2">
+            <a:extLst>
+              <a:ext uri="{FF2B5EF4-FFF2-40B4-BE49-F238E27FC236}">
+                <a16:creationId xmlns:a16="http://schemas.microsoft.com/office/drawing/2014/main" id="{6C6238E2-D584-6A73-9D66-EF86B1A2815A}"/>
+              </a:ext>
+            </a:extLst>
+          </p:cNvPr>
+          <p:cNvSpPr>
+            <a:spLocks noGrp="1"/>
+          </p:cNvSpPr>
+          <p:nvPr>
+            <p:ph idx="1"/>
+          </p:nvPr>
+        </p:nvSpPr>
+        <p:spPr/>
+        <p:txBody>
+          <a:bodyPr>
+            <a:normAutofit/>
+          </a:bodyPr>
+          <a:lstStyle/>
+          <a:p>
+            <a:r>
+              <a:rPr lang="en-DE" sz="2400" dirty="0"/>
+              <a:t>Start reading other peoples code</a:t>
+            </a:r>
+          </a:p>
+          <a:p>
+            <a:r>
+              <a:rPr lang="en-DE" sz="2400" dirty="0"/>
+              <a:t>Weekly Exercises</a:t>
+            </a:r>
+          </a:p>
+          <a:p>
+            <a:r>
+              <a:rPr lang="en-DE" sz="2400" dirty="0"/>
+              <a:t>First try your best, then use Chat GPT </a:t>
+            </a:r>
+          </a:p>
+          <a:p>
+            <a:pPr lvl="1"/>
+            <a:r>
+              <a:rPr lang="en-DE" sz="2000" dirty="0"/>
+              <a:t>(Don’t Forget to document your progress, what you ach</a:t>
+            </a:r>
+            <a:r>
+              <a:rPr lang="en-GB" sz="2000" dirty="0" err="1"/>
+              <a:t>ie</a:t>
+            </a:r>
+            <a:r>
+              <a:rPr lang="en-DE" sz="2000" dirty="0" err="1"/>
+              <a:t>ved</a:t>
+            </a:r>
+            <a:r>
+              <a:rPr lang="en-DE" sz="2000" dirty="0"/>
+              <a:t> and what Chat GPT did)</a:t>
+            </a:r>
+          </a:p>
+          <a:p>
+            <a:pPr marL="0" indent="0">
+              <a:buNone/>
+            </a:pPr>
+            <a:r>
+              <a:rPr lang="en-DE" sz="2400" dirty="0"/>
+              <a:t> </a:t>
+            </a:r>
+          </a:p>
+        </p:txBody>
+      </p:sp>
+    </p:spTree>
+    <p:extLst>
+      <p:ext uri="{BB962C8B-B14F-4D97-AF65-F5344CB8AC3E}">
+        <p14:creationId xmlns:p14="http://schemas.microsoft.com/office/powerpoint/2010/main" val="1197272603"/>
       </p:ext>
     </p:extLst>
   </p:cSld>
